--- a/mini final ppt2(2).pptx
+++ b/mini final ppt2(2).pptx
@@ -18,8 +18,8 @@
     <p:sldId id="271" r:id="rId9"/>
     <p:sldId id="276" r:id="rId10"/>
     <p:sldId id="274" r:id="rId11"/>
-    <p:sldId id="273" r:id="rId12"/>
-    <p:sldId id="272" r:id="rId13"/>
+    <p:sldId id="272" r:id="rId12"/>
+    <p:sldId id="273" r:id="rId13"/>
     <p:sldId id="275" r:id="rId14"/>
     <p:sldId id="262" r:id="rId15"/>
   </p:sldIdLst>
@@ -248,7 +248,7 @@
           <a:p>
             <a:fld id="{9FDC5BDC-7AAD-43CD-BB85-A96D676538BE}" type="datetimeFigureOut">
               <a:rPr lang="en-IN" smtClean="0"/>
-              <a:t>18-10-2024</a:t>
+              <a:t>08-11-2024</a:t>
             </a:fld>
             <a:endParaRPr lang="en-IN"/>
           </a:p>
@@ -780,7 +780,7 @@
             <a:fld id="{1D8BD707-D9CF-40AE-B4C6-C98DA3205C09}" type="datetimeFigureOut">
               <a:rPr lang="en-US" smtClean="0"/>
               <a:pPr/>
-              <a:t>10/18/2024</a:t>
+              <a:t>11/8/2024</a:t>
             </a:fld>
             <a:endParaRPr lang="en-US"/>
           </a:p>
@@ -945,7 +945,7 @@
             <a:fld id="{1D8BD707-D9CF-40AE-B4C6-C98DA3205C09}" type="datetimeFigureOut">
               <a:rPr lang="en-US" smtClean="0"/>
               <a:pPr/>
-              <a:t>10/18/2024</a:t>
+              <a:t>11/8/2024</a:t>
             </a:fld>
             <a:endParaRPr lang="en-US"/>
           </a:p>
@@ -1120,7 +1120,7 @@
             <a:fld id="{1D8BD707-D9CF-40AE-B4C6-C98DA3205C09}" type="datetimeFigureOut">
               <a:rPr lang="en-US" smtClean="0"/>
               <a:pPr/>
-              <a:t>10/18/2024</a:t>
+              <a:t>11/8/2024</a:t>
             </a:fld>
             <a:endParaRPr lang="en-US"/>
           </a:p>
@@ -1285,7 +1285,7 @@
             <a:fld id="{1D8BD707-D9CF-40AE-B4C6-C98DA3205C09}" type="datetimeFigureOut">
               <a:rPr lang="en-US" smtClean="0"/>
               <a:pPr/>
-              <a:t>10/18/2024</a:t>
+              <a:t>11/8/2024</a:t>
             </a:fld>
             <a:endParaRPr lang="en-US"/>
           </a:p>
@@ -1527,7 +1527,7 @@
             <a:fld id="{1D8BD707-D9CF-40AE-B4C6-C98DA3205C09}" type="datetimeFigureOut">
               <a:rPr lang="en-US" smtClean="0"/>
               <a:pPr/>
-              <a:t>10/18/2024</a:t>
+              <a:t>11/8/2024</a:t>
             </a:fld>
             <a:endParaRPr lang="en-US"/>
           </a:p>
@@ -1809,7 +1809,7 @@
             <a:fld id="{1D8BD707-D9CF-40AE-B4C6-C98DA3205C09}" type="datetimeFigureOut">
               <a:rPr lang="en-US" smtClean="0"/>
               <a:pPr/>
-              <a:t>10/18/2024</a:t>
+              <a:t>11/8/2024</a:t>
             </a:fld>
             <a:endParaRPr lang="en-US"/>
           </a:p>
@@ -2225,7 +2225,7 @@
             <a:fld id="{1D8BD707-D9CF-40AE-B4C6-C98DA3205C09}" type="datetimeFigureOut">
               <a:rPr lang="en-US" smtClean="0"/>
               <a:pPr/>
-              <a:t>10/18/2024</a:t>
+              <a:t>11/8/2024</a:t>
             </a:fld>
             <a:endParaRPr lang="en-US"/>
           </a:p>
@@ -2339,7 +2339,7 @@
             <a:fld id="{1D8BD707-D9CF-40AE-B4C6-C98DA3205C09}" type="datetimeFigureOut">
               <a:rPr lang="en-US" smtClean="0"/>
               <a:pPr/>
-              <a:t>10/18/2024</a:t>
+              <a:t>11/8/2024</a:t>
             </a:fld>
             <a:endParaRPr lang="en-US"/>
           </a:p>
@@ -2431,7 +2431,7 @@
             <a:fld id="{1D8BD707-D9CF-40AE-B4C6-C98DA3205C09}" type="datetimeFigureOut">
               <a:rPr lang="en-US" smtClean="0"/>
               <a:pPr/>
-              <a:t>10/18/2024</a:t>
+              <a:t>11/8/2024</a:t>
             </a:fld>
             <a:endParaRPr lang="en-US"/>
           </a:p>
@@ -2703,7 +2703,7 @@
             <a:fld id="{1D8BD707-D9CF-40AE-B4C6-C98DA3205C09}" type="datetimeFigureOut">
               <a:rPr lang="en-US" smtClean="0"/>
               <a:pPr/>
-              <a:t>10/18/2024</a:t>
+              <a:t>11/8/2024</a:t>
             </a:fld>
             <a:endParaRPr lang="en-US"/>
           </a:p>
@@ -2952,7 +2952,7 @@
             <a:fld id="{1D8BD707-D9CF-40AE-B4C6-C98DA3205C09}" type="datetimeFigureOut">
               <a:rPr lang="en-US" smtClean="0"/>
               <a:pPr/>
-              <a:t>10/18/2024</a:t>
+              <a:t>11/8/2024</a:t>
             </a:fld>
             <a:endParaRPr lang="en-US"/>
           </a:p>
@@ -3160,7 +3160,7 @@
             <a:fld id="{1D8BD707-D9CF-40AE-B4C6-C98DA3205C09}" type="datetimeFigureOut">
               <a:rPr lang="en-US" smtClean="0"/>
               <a:pPr/>
-              <a:t>10/18/2024</a:t>
+              <a:t>11/8/2024</a:t>
             </a:fld>
             <a:endParaRPr lang="en-US"/>
           </a:p>
@@ -3751,141 +3751,6 @@
           <a:chExt cx="0" cy="0"/>
         </a:xfrm>
       </p:grpSpPr>
-      <p:sp>
-        <p:nvSpPr>
-          <p:cNvPr id="12" name="Content Placeholder 11">
-            <a:extLst>
-              <a:ext uri="{FF2B5EF4-FFF2-40B4-BE49-F238E27FC236}">
-                <a16:creationId xmlns:a16="http://schemas.microsoft.com/office/drawing/2014/main" id="{933B71ED-2431-30BE-D634-01B84E772AFA}"/>
-              </a:ext>
-            </a:extLst>
-          </p:cNvPr>
-          <p:cNvSpPr>
-            <a:spLocks noGrp="1"/>
-          </p:cNvSpPr>
-          <p:nvPr>
-            <p:ph sz="half" idx="2"/>
-          </p:nvPr>
-        </p:nvSpPr>
-        <p:spPr>
-          <a:xfrm>
-            <a:off x="4800600" y="1066800"/>
-            <a:ext cx="4038600" cy="5715000"/>
-          </a:xfrm>
-        </p:spPr>
-        <p:txBody>
-          <a:bodyPr>
-            <a:noAutofit/>
-          </a:bodyPr>
-          <a:lstStyle/>
-          <a:p>
-            <a:pPr marL="0" indent="0" algn="just">
-              <a:buNone/>
-            </a:pPr>
-            <a:endParaRPr lang="en-IN" sz="1800" b="0" i="0" dirty="0">
-              <a:solidFill>
-                <a:srgbClr val="374151"/>
-              </a:solidFill>
-              <a:effectLst/>
-              <a:latin typeface="Times New Roman" panose="02020603050405020304" pitchFamily="18" charset="0"/>
-              <a:cs typeface="Times New Roman" panose="02020603050405020304" pitchFamily="18" charset="0"/>
-            </a:endParaRPr>
-          </a:p>
-          <a:p>
-            <a:pPr algn="just"/>
-            <a:r>
-              <a:rPr lang="en-IN" sz="1800" b="0" i="0" dirty="0">
-                <a:solidFill>
-                  <a:srgbClr val="374151"/>
-                </a:solidFill>
-                <a:effectLst/>
-                <a:latin typeface="Times New Roman" panose="02020603050405020304" pitchFamily="18" charset="0"/>
-                <a:cs typeface="Times New Roman" panose="02020603050405020304" pitchFamily="18" charset="0"/>
-              </a:rPr>
-              <a:t>The social media API fetches data from social media platforms.</a:t>
-            </a:r>
-          </a:p>
-          <a:p>
-            <a:pPr algn="just"/>
-            <a:r>
-              <a:rPr lang="en-US" sz="1800" b="0" i="0" dirty="0">
-                <a:solidFill>
-                  <a:srgbClr val="374151"/>
-                </a:solidFill>
-                <a:effectLst/>
-                <a:latin typeface="Times New Roman" panose="02020603050405020304" pitchFamily="18" charset="0"/>
-                <a:cs typeface="Times New Roman" panose="02020603050405020304" pitchFamily="18" charset="0"/>
-              </a:rPr>
-              <a:t>The data preprocessor cleans and prepares the data for analysis.</a:t>
-            </a:r>
-          </a:p>
-          <a:p>
-            <a:pPr algn="just"/>
-            <a:r>
-              <a:rPr lang="en-US" sz="1800" b="0" i="0" dirty="0">
-                <a:solidFill>
-                  <a:srgbClr val="374151"/>
-                </a:solidFill>
-                <a:effectLst/>
-                <a:latin typeface="Times New Roman" panose="02020603050405020304" pitchFamily="18" charset="0"/>
-                <a:cs typeface="Times New Roman" panose="02020603050405020304" pitchFamily="18" charset="0"/>
-              </a:rPr>
-              <a:t>The sentiment analyzer analyzes the sentiment of the data using a model type (string) and lexicon (string).</a:t>
-            </a:r>
-          </a:p>
-          <a:p>
-            <a:pPr algn="just"/>
-            <a:r>
-              <a:rPr lang="en-US" sz="1800" b="0" i="0" dirty="0">
-                <a:solidFill>
-                  <a:srgbClr val="374151"/>
-                </a:solidFill>
-                <a:effectLst/>
-                <a:latin typeface="Times New Roman" panose="02020603050405020304" pitchFamily="18" charset="0"/>
-                <a:cs typeface="Times New Roman" panose="02020603050405020304" pitchFamily="18" charset="0"/>
-              </a:rPr>
-              <a:t>The aspect-based sentiment analyzer provides aspect-based sentiment analysis.</a:t>
-            </a:r>
-          </a:p>
-          <a:p>
-            <a:pPr algn="just"/>
-            <a:r>
-              <a:rPr lang="en-US" sz="1800" b="0" i="0" dirty="0">
-                <a:solidFill>
-                  <a:srgbClr val="374151"/>
-                </a:solidFill>
-                <a:effectLst/>
-                <a:latin typeface="Times New Roman" panose="02020603050405020304" pitchFamily="18" charset="0"/>
-                <a:cs typeface="Times New Roman" panose="02020603050405020304" pitchFamily="18" charset="0"/>
-              </a:rPr>
-              <a:t>The database manager stores and retrieves data for visualization.</a:t>
-            </a:r>
-          </a:p>
-          <a:p>
-            <a:pPr algn="just"/>
-            <a:r>
-              <a:rPr lang="en-US" sz="1800" b="0" i="0" dirty="0">
-                <a:solidFill>
-                  <a:srgbClr val="374151"/>
-                </a:solidFill>
-                <a:effectLst/>
-                <a:latin typeface="Times New Roman" panose="02020603050405020304" pitchFamily="18" charset="0"/>
-                <a:cs typeface="Times New Roman" panose="02020603050405020304" pitchFamily="18" charset="0"/>
-              </a:rPr>
-              <a:t>The visualization tool creates a bar chart and word cloud to display the results.</a:t>
-            </a:r>
-          </a:p>
-          <a:p>
-            <a:pPr marL="0" indent="0" algn="just">
-              <a:buNone/>
-            </a:pPr>
-            <a:endParaRPr lang="en-IN" sz="1800" dirty="0">
-              <a:latin typeface="Times New Roman" panose="02020603050405020304" pitchFamily="18" charset="0"/>
-              <a:cs typeface="Times New Roman" panose="02020603050405020304" pitchFamily="18" charset="0"/>
-            </a:endParaRPr>
-          </a:p>
-        </p:txBody>
-      </p:sp>
       <p:pic>
         <p:nvPicPr>
           <p:cNvPr id="14" name="Picture 13">
@@ -3914,7 +3779,7 @@
         </p:blipFill>
         <p:spPr>
           <a:xfrm>
-            <a:off x="429322" y="1219200"/>
+            <a:off x="2362200" y="1219200"/>
             <a:ext cx="3914079" cy="5257800"/>
           </a:xfrm>
           <a:prstGeom prst="rect">
@@ -3974,6 +3839,109 @@
 </file>
 
 <file path=ppt/slides/slide11.xml><?xml version="1.0" encoding="utf-8"?>
+<p:sld xmlns:a="http://schemas.openxmlformats.org/drawingml/2006/main" xmlns:r="http://schemas.openxmlformats.org/officeDocument/2006/relationships" xmlns:p="http://schemas.openxmlformats.org/presentationml/2006/main">
+  <p:cSld>
+    <p:spTree>
+      <p:nvGrpSpPr>
+        <p:cNvPr id="1" name=""/>
+        <p:cNvGrpSpPr/>
+        <p:nvPr/>
+      </p:nvGrpSpPr>
+      <p:grpSpPr>
+        <a:xfrm>
+          <a:off x="0" y="0"/>
+          <a:ext cx="0" cy="0"/>
+          <a:chOff x="0" y="0"/>
+          <a:chExt cx="0" cy="0"/>
+        </a:xfrm>
+      </p:grpSpPr>
+      <p:pic>
+        <p:nvPicPr>
+          <p:cNvPr id="18" name="Picture 17">
+            <a:extLst>
+              <a:ext uri="{FF2B5EF4-FFF2-40B4-BE49-F238E27FC236}">
+                <a16:creationId xmlns:a16="http://schemas.microsoft.com/office/drawing/2014/main" id="{7C1E5A29-784E-5C0A-1B4F-5E4119DC2A5A}"/>
+              </a:ext>
+            </a:extLst>
+          </p:cNvPr>
+          <p:cNvPicPr>
+            <a:picLocks noChangeAspect="1"/>
+          </p:cNvPicPr>
+          <p:nvPr/>
+        </p:nvPicPr>
+        <p:blipFill>
+          <a:blip r:embed="rId2">
+            <a:extLst>
+              <a:ext uri="{28A0092B-C50C-407E-A947-70E740481C1C}">
+                <a14:useLocalDpi xmlns:a14="http://schemas.microsoft.com/office/drawing/2010/main" val="0"/>
+              </a:ext>
+            </a:extLst>
+          </a:blip>
+          <a:stretch>
+            <a:fillRect/>
+          </a:stretch>
+        </p:blipFill>
+        <p:spPr>
+          <a:xfrm>
+            <a:off x="1524000" y="990600"/>
+            <a:ext cx="6705600" cy="5592762"/>
+          </a:xfrm>
+          <a:prstGeom prst="rect">
+            <a:avLst/>
+          </a:prstGeom>
+        </p:spPr>
+      </p:pic>
+      <p:sp>
+        <p:nvSpPr>
+          <p:cNvPr id="4" name="Title 3">
+            <a:extLst>
+              <a:ext uri="{FF2B5EF4-FFF2-40B4-BE49-F238E27FC236}">
+                <a16:creationId xmlns:a16="http://schemas.microsoft.com/office/drawing/2014/main" id="{113A2A24-4BF9-AC7D-97EA-BC58B3C89FB1}"/>
+              </a:ext>
+            </a:extLst>
+          </p:cNvPr>
+          <p:cNvSpPr>
+            <a:spLocks noGrp="1"/>
+          </p:cNvSpPr>
+          <p:nvPr>
+            <p:ph type="title"/>
+          </p:nvPr>
+        </p:nvSpPr>
+        <p:spPr/>
+        <p:txBody>
+          <a:bodyPr>
+            <a:normAutofit fontScale="90000"/>
+          </a:bodyPr>
+          <a:lstStyle/>
+          <a:p>
+            <a:r>
+              <a:rPr lang="en-IN" dirty="0">
+                <a:latin typeface="Times New Roman" panose="02020603050405020304" pitchFamily="18" charset="0"/>
+                <a:cs typeface="Times New Roman" panose="02020603050405020304" pitchFamily="18" charset="0"/>
+              </a:rPr>
+              <a:t>USE CASE DIAGRAM</a:t>
+            </a:r>
+            <a:br>
+              <a:rPr lang="en-IN" dirty="0"/>
+            </a:br>
+            <a:endParaRPr lang="en-IN" dirty="0"/>
+          </a:p>
+        </p:txBody>
+      </p:sp>
+    </p:spTree>
+    <p:extLst>
+      <p:ext uri="{BB962C8B-B14F-4D97-AF65-F5344CB8AC3E}">
+        <p14:creationId xmlns:p14="http://schemas.microsoft.com/office/powerpoint/2010/main" val="413621534"/>
+      </p:ext>
+    </p:extLst>
+  </p:cSld>
+  <p:clrMapOvr>
+    <a:masterClrMapping/>
+  </p:clrMapOvr>
+</p:sld>
+</file>
+
+<file path=ppt/slides/slide12.xml><?xml version="1.0" encoding="utf-8"?>
 <p:sld xmlns:a="http://schemas.openxmlformats.org/drawingml/2006/main" xmlns:r="http://schemas.openxmlformats.org/officeDocument/2006/relationships" xmlns:p="http://schemas.openxmlformats.org/presentationml/2006/main">
   <p:cSld>
     <p:spTree>
@@ -4116,109 +4084,6 @@
 </p:sld>
 </file>
 
-<file path=ppt/slides/slide12.xml><?xml version="1.0" encoding="utf-8"?>
-<p:sld xmlns:a="http://schemas.openxmlformats.org/drawingml/2006/main" xmlns:r="http://schemas.openxmlformats.org/officeDocument/2006/relationships" xmlns:p="http://schemas.openxmlformats.org/presentationml/2006/main">
-  <p:cSld>
-    <p:spTree>
-      <p:nvGrpSpPr>
-        <p:cNvPr id="1" name=""/>
-        <p:cNvGrpSpPr/>
-        <p:nvPr/>
-      </p:nvGrpSpPr>
-      <p:grpSpPr>
-        <a:xfrm>
-          <a:off x="0" y="0"/>
-          <a:ext cx="0" cy="0"/>
-          <a:chOff x="0" y="0"/>
-          <a:chExt cx="0" cy="0"/>
-        </a:xfrm>
-      </p:grpSpPr>
-      <p:pic>
-        <p:nvPicPr>
-          <p:cNvPr id="18" name="Picture 17">
-            <a:extLst>
-              <a:ext uri="{FF2B5EF4-FFF2-40B4-BE49-F238E27FC236}">
-                <a16:creationId xmlns:a16="http://schemas.microsoft.com/office/drawing/2014/main" id="{7C1E5A29-784E-5C0A-1B4F-5E4119DC2A5A}"/>
-              </a:ext>
-            </a:extLst>
-          </p:cNvPr>
-          <p:cNvPicPr>
-            <a:picLocks noChangeAspect="1"/>
-          </p:cNvPicPr>
-          <p:nvPr/>
-        </p:nvPicPr>
-        <p:blipFill>
-          <a:blip r:embed="rId2">
-            <a:extLst>
-              <a:ext uri="{28A0092B-C50C-407E-A947-70E740481C1C}">
-                <a14:useLocalDpi xmlns:a14="http://schemas.microsoft.com/office/drawing/2010/main" val="0"/>
-              </a:ext>
-            </a:extLst>
-          </a:blip>
-          <a:stretch>
-            <a:fillRect/>
-          </a:stretch>
-        </p:blipFill>
-        <p:spPr>
-          <a:xfrm>
-            <a:off x="1524000" y="990600"/>
-            <a:ext cx="6705600" cy="5592762"/>
-          </a:xfrm>
-          <a:prstGeom prst="rect">
-            <a:avLst/>
-          </a:prstGeom>
-        </p:spPr>
-      </p:pic>
-      <p:sp>
-        <p:nvSpPr>
-          <p:cNvPr id="4" name="Title 3">
-            <a:extLst>
-              <a:ext uri="{FF2B5EF4-FFF2-40B4-BE49-F238E27FC236}">
-                <a16:creationId xmlns:a16="http://schemas.microsoft.com/office/drawing/2014/main" id="{113A2A24-4BF9-AC7D-97EA-BC58B3C89FB1}"/>
-              </a:ext>
-            </a:extLst>
-          </p:cNvPr>
-          <p:cNvSpPr>
-            <a:spLocks noGrp="1"/>
-          </p:cNvSpPr>
-          <p:nvPr>
-            <p:ph type="title"/>
-          </p:nvPr>
-        </p:nvSpPr>
-        <p:spPr/>
-        <p:txBody>
-          <a:bodyPr>
-            <a:normAutofit fontScale="90000"/>
-          </a:bodyPr>
-          <a:lstStyle/>
-          <a:p>
-            <a:r>
-              <a:rPr lang="en-IN" dirty="0">
-                <a:latin typeface="Times New Roman" panose="02020603050405020304" pitchFamily="18" charset="0"/>
-                <a:cs typeface="Times New Roman" panose="02020603050405020304" pitchFamily="18" charset="0"/>
-              </a:rPr>
-              <a:t>USE CASE DIAGRAM</a:t>
-            </a:r>
-            <a:br>
-              <a:rPr lang="en-IN" dirty="0"/>
-            </a:br>
-            <a:endParaRPr lang="en-IN" dirty="0"/>
-          </a:p>
-        </p:txBody>
-      </p:sp>
-    </p:spTree>
-    <p:extLst>
-      <p:ext uri="{BB962C8B-B14F-4D97-AF65-F5344CB8AC3E}">
-        <p14:creationId xmlns:p14="http://schemas.microsoft.com/office/powerpoint/2010/main" val="413621534"/>
-      </p:ext>
-    </p:extLst>
-  </p:cSld>
-  <p:clrMapOvr>
-    <a:masterClrMapping/>
-  </p:clrMapOvr>
-</p:sld>
-</file>
-
 <file path=ppt/slides/slide13.xml><?xml version="1.0" encoding="utf-8"?>
 <p:sld xmlns:a="http://schemas.openxmlformats.org/drawingml/2006/main" xmlns:r="http://schemas.openxmlformats.org/officeDocument/2006/relationships" xmlns:p="http://schemas.openxmlformats.org/presentationml/2006/main">
   <p:cSld>
@@ -4611,7 +4476,7 @@
                 <a:latin typeface="Times New Roman" panose="02020603050405020304" pitchFamily="18" charset="0"/>
                 <a:cs typeface="Times New Roman" panose="02020603050405020304" pitchFamily="18" charset="0"/>
               </a:rPr>
-              <a:t>Sentiment analysis on social media is a natural language processing technique used to extract subjective information and opinions from user-generated content on various social media platforms, such as Twitter, Facebook, and Instagram. The goal of this project is to perform sentiment analysis on social media data related to a particular topic or brand, such as a product launch or a social issue. Social media data will be collected using relevant APIs or web scraping tools and preprocessed by cleaning and filtering out irrelevant or spammy content. A sentiment analysis model, such as a lexicon-based or machine learning model, will be applied to classify the sentiment of the content as positive, negative, or neutral. Results will be visualized and analyzed using various techniques and tools, such as word clouds, bar charts, and time series analysis, to gain insights and make data-driven decisions based on public opinion. Challenges in social media sentiment analysis include the use of slang, emojis, and hashtags, as well as the need to handle multilingual con tent. Sentiment analysis on social media can be a powerful tool for understanding public opinion, customer satisfaction, and brand reputation, and making data-driven decisions in various domains, such as marketing, politics, and social sciences.</a:t>
+              <a:t>Sentiment analysis on social media is a natural language processing technique used to extract subjective information and opinions from user-generated content on various social media platforms, such as Twitter, Facebook, and Instagram. The goal of this project is to perform sentiment analysis on social media data related to a particular topic or brand, such as a product launch or a social issue. Social media data will be collected using relevant APIs or web scraping tools and preprocessed by cleaning and filtering out irrelevant or spammy content. A sentiment analysis model, such as a lexicon-based or machine learning model, will be applied to classify the sentiment of the content as positive, negative, or neutral. Results will be visualized and analyzed using various techniques and tools, such as word clouds, bar charts, and time series analysis, to gain insights and make data-driven decisions based on public opinion. Challenges in social media sentiment analysis include the use of slang, emojis, and hashtags, as well as the need to handle multilingual content. Sentiment analysis on social media can be a powerful tool for understanding public opinion, customer satisfaction, and brand reputation, and making data-driven decisions in various domains, such as marketing, politics, and social sciences.</a:t>
             </a:r>
           </a:p>
           <a:p>
@@ -5029,7 +4894,7 @@
                 <a:latin typeface="Times New Roman" panose="02020603050405020304" pitchFamily="18" charset="0"/>
                 <a:cs typeface="Times New Roman" panose="02020603050405020304" pitchFamily="18" charset="0"/>
               </a:rPr>
-              <a:t>Both negative and positive reviews were collected from two different web sites.</a:t>
+              <a:t>Both negative and positive reviews were collected from amazon web sites.</a:t>
             </a:r>
             <a:endParaRPr lang="en-IN" sz="1600" dirty="0">
               <a:latin typeface="Times New Roman" panose="02020603050405020304" pitchFamily="18" charset="0"/>
@@ -5040,10 +4905,10 @@
       </p:sp>
       <p:pic>
         <p:nvPicPr>
-          <p:cNvPr id="10" name="Picture 9">
+          <p:cNvPr id="5" name="Picture 4">
             <a:extLst>
               <a:ext uri="{FF2B5EF4-FFF2-40B4-BE49-F238E27FC236}">
-                <a16:creationId xmlns:a16="http://schemas.microsoft.com/office/drawing/2014/main" id="{D7902DD7-5FAD-1812-3439-4D1578679860}"/>
+                <a16:creationId xmlns:a16="http://schemas.microsoft.com/office/drawing/2014/main" id="{5F8C9FF9-0F4F-290E-5434-56D3C4EDD05E}"/>
               </a:ext>
             </a:extLst>
           </p:cNvPr>
@@ -5066,8 +4931,8 @@
         </p:blipFill>
         <p:spPr>
           <a:xfrm>
-            <a:off x="0" y="1038457"/>
-            <a:ext cx="4414434" cy="5817683"/>
+            <a:off x="0" y="1052629"/>
+            <a:ext cx="4414434" cy="5819542"/>
           </a:xfrm>
           <a:prstGeom prst="rect">
             <a:avLst/>
